--- a/Slides/4. Performance.pptx
+++ b/Slides/4. Performance.pptx
@@ -385,7 +385,7 @@
           <a:p>
             <a:fld id="{A16971C9-4D93-4ACE-860F-9246028BD760}" type="datetimeFigureOut">
               <a:rPr lang="en-GB" smtClean="0"/>
-              <a:t>15/03/2016</a:t>
+              <a:t>17/03/2016</a:t>
             </a:fld>
             <a:endParaRPr lang="en-GB"/>
           </a:p>
@@ -726,7 +726,7 @@
           <a:p>
             <a:fld id="{A16971C9-4D93-4ACE-860F-9246028BD760}" type="datetimeFigureOut">
               <a:rPr lang="en-GB" smtClean="0"/>
-              <a:t>15/03/2016</a:t>
+              <a:t>17/03/2016</a:t>
             </a:fld>
             <a:endParaRPr lang="en-GB"/>
           </a:p>
@@ -1004,7 +1004,7 @@
           <a:p>
             <a:fld id="{A16971C9-4D93-4ACE-860F-9246028BD760}" type="datetimeFigureOut">
               <a:rPr lang="en-GB" smtClean="0"/>
-              <a:t>15/03/2016</a:t>
+              <a:t>17/03/2016</a:t>
             </a:fld>
             <a:endParaRPr lang="en-GB"/>
           </a:p>
@@ -1620,7 +1620,7 @@
           <a:p>
             <a:fld id="{A16971C9-4D93-4ACE-860F-9246028BD760}" type="datetimeFigureOut">
               <a:rPr lang="en-GB" smtClean="0"/>
-              <a:t>15/03/2016</a:t>
+              <a:t>17/03/2016</a:t>
             </a:fld>
             <a:endParaRPr lang="en-GB"/>
           </a:p>
@@ -1898,7 +1898,7 @@
           <a:p>
             <a:fld id="{A16971C9-4D93-4ACE-860F-9246028BD760}" type="datetimeFigureOut">
               <a:rPr lang="en-GB" smtClean="0"/>
-              <a:t>15/03/2016</a:t>
+              <a:t>17/03/2016</a:t>
             </a:fld>
             <a:endParaRPr lang="en-GB"/>
           </a:p>
@@ -2508,7 +2508,7 @@
           <a:p>
             <a:fld id="{A16971C9-4D93-4ACE-860F-9246028BD760}" type="datetimeFigureOut">
               <a:rPr lang="en-GB" smtClean="0"/>
-              <a:t>15/03/2016</a:t>
+              <a:t>17/03/2016</a:t>
             </a:fld>
             <a:endParaRPr lang="en-GB"/>
           </a:p>
@@ -2835,7 +2835,7 @@
           <a:p>
             <a:fld id="{A16971C9-4D93-4ACE-860F-9246028BD760}" type="datetimeFigureOut">
               <a:rPr lang="en-GB" smtClean="0"/>
-              <a:t>15/03/2016</a:t>
+              <a:t>17/03/2016</a:t>
             </a:fld>
             <a:endParaRPr lang="en-GB"/>
           </a:p>
@@ -3012,7 +3012,7 @@
           <a:p>
             <a:fld id="{A16971C9-4D93-4ACE-860F-9246028BD760}" type="datetimeFigureOut">
               <a:rPr lang="en-GB" smtClean="0"/>
-              <a:t>15/03/2016</a:t>
+              <a:t>17/03/2016</a:t>
             </a:fld>
             <a:endParaRPr lang="en-GB"/>
           </a:p>
@@ -3250,7 +3250,7 @@
           <a:p>
             <a:fld id="{A16971C9-4D93-4ACE-860F-9246028BD760}" type="datetimeFigureOut">
               <a:rPr lang="en-GB" smtClean="0"/>
-              <a:t>15/03/2016</a:t>
+              <a:t>17/03/2016</a:t>
             </a:fld>
             <a:endParaRPr lang="en-GB"/>
           </a:p>
@@ -3346,7 +3346,7 @@
             <a:fld id="{7B9B21E2-BDCF-4E5E-B89A-CA1F600B3A1C}" type="datetimeFigureOut">
               <a:rPr lang="en-US" smtClean="0"/>
               <a:pPr/>
-              <a:t>3/15/2016</a:t>
+              <a:t>3/17/2016</a:t>
             </a:fld>
             <a:endParaRPr lang="en-GB"/>
           </a:p>
@@ -3681,7 +3681,7 @@
           <a:p>
             <a:fld id="{A16971C9-4D93-4ACE-860F-9246028BD760}" type="datetimeFigureOut">
               <a:rPr lang="en-GB" smtClean="0"/>
-              <a:t>15/03/2016</a:t>
+              <a:t>17/03/2016</a:t>
             </a:fld>
             <a:endParaRPr lang="en-GB"/>
           </a:p>
@@ -3964,7 +3964,7 @@
           <a:p>
             <a:fld id="{A16971C9-4D93-4ACE-860F-9246028BD760}" type="datetimeFigureOut">
               <a:rPr lang="en-GB" smtClean="0"/>
-              <a:t>15/03/2016</a:t>
+              <a:t>17/03/2016</a:t>
             </a:fld>
             <a:endParaRPr lang="en-GB"/>
           </a:p>
@@ -4237,7 +4237,7 @@
           <a:p>
             <a:fld id="{A16971C9-4D93-4ACE-860F-9246028BD760}" type="datetimeFigureOut">
               <a:rPr lang="en-GB" smtClean="0"/>
-              <a:t>15/03/2016</a:t>
+              <a:t>17/03/2016</a:t>
             </a:fld>
             <a:endParaRPr lang="en-GB"/>
           </a:p>
@@ -4611,7 +4611,7 @@
           <a:p>
             <a:fld id="{A16971C9-4D93-4ACE-860F-9246028BD760}" type="datetimeFigureOut">
               <a:rPr lang="en-GB" smtClean="0"/>
-              <a:t>15/03/2016</a:t>
+              <a:t>17/03/2016</a:t>
             </a:fld>
             <a:endParaRPr lang="en-GB"/>
           </a:p>
@@ -4766,7 +4766,7 @@
           <a:p>
             <a:fld id="{A16971C9-4D93-4ACE-860F-9246028BD760}" type="datetimeFigureOut">
               <a:rPr lang="en-GB" smtClean="0"/>
-              <a:t>15/03/2016</a:t>
+              <a:t>17/03/2016</a:t>
             </a:fld>
             <a:endParaRPr lang="en-GB"/>
           </a:p>
@@ -4891,7 +4891,7 @@
           <a:p>
             <a:fld id="{A16971C9-4D93-4ACE-860F-9246028BD760}" type="datetimeFigureOut">
               <a:rPr lang="en-GB" smtClean="0"/>
-              <a:t>15/03/2016</a:t>
+              <a:t>17/03/2016</a:t>
             </a:fld>
             <a:endParaRPr lang="en-GB"/>
           </a:p>
@@ -5176,7 +5176,7 @@
           <a:p>
             <a:fld id="{A16971C9-4D93-4ACE-860F-9246028BD760}" type="datetimeFigureOut">
               <a:rPr lang="en-GB" smtClean="0"/>
-              <a:t>15/03/2016</a:t>
+              <a:t>17/03/2016</a:t>
             </a:fld>
             <a:endParaRPr lang="en-GB"/>
           </a:p>
@@ -5500,7 +5500,7 @@
           <a:p>
             <a:fld id="{A16971C9-4D93-4ACE-860F-9246028BD760}" type="datetimeFigureOut">
               <a:rPr lang="en-GB" smtClean="0"/>
-              <a:t>15/03/2016</a:t>
+              <a:t>17/03/2016</a:t>
             </a:fld>
             <a:endParaRPr lang="en-GB"/>
           </a:p>
@@ -5714,7 +5714,7 @@
           <a:p>
             <a:fld id="{A16971C9-4D93-4ACE-860F-9246028BD760}" type="datetimeFigureOut">
               <a:rPr lang="en-GB" smtClean="0"/>
-              <a:t>15/03/2016</a:t>
+              <a:t>17/03/2016</a:t>
             </a:fld>
             <a:endParaRPr lang="en-GB"/>
           </a:p>
@@ -6590,11 +6590,7 @@
           <a:p>
             <a:r>
               <a:rPr lang="en-GB" dirty="0" smtClean="0"/>
-              <a:t>Indexes </a:t>
-            </a:r>
-            <a:r>
-              <a:rPr lang="en-GB" dirty="0" smtClean="0"/>
-              <a:t>Summary</a:t>
+              <a:t>Indexes Summary</a:t>
             </a:r>
             <a:endParaRPr lang="en-GB" dirty="0"/>
           </a:p>
@@ -6629,17 +6625,8 @@
           <a:p>
             <a:r>
               <a:rPr lang="en-GB" dirty="0" smtClean="0"/>
-              <a:t>Tables with no </a:t>
-            </a:r>
-            <a:r>
-              <a:rPr lang="en-GB" dirty="0" smtClean="0"/>
-              <a:t>clustered index are a </a:t>
-            </a:r>
-            <a:r>
-              <a:rPr lang="en-GB" dirty="0" smtClean="0"/>
-              <a:t>Heap</a:t>
-            </a:r>
-            <a:endParaRPr lang="en-GB" dirty="0" smtClean="0"/>
+              <a:t>Tables with no clustered index are a Heap</a:t>
+            </a:r>
           </a:p>
           <a:p>
             <a:r>
@@ -6656,15 +6643,7 @@
           <a:p>
             <a:r>
               <a:rPr lang="en-GB" dirty="0" smtClean="0"/>
-              <a:t>Multi column indexes create a </a:t>
-            </a:r>
-            <a:r>
-              <a:rPr lang="en-GB" dirty="0" smtClean="0"/>
-              <a:t>composite key </a:t>
-            </a:r>
-            <a:r>
-              <a:rPr lang="en-GB" dirty="0" smtClean="0"/>
-              <a:t>in order</a:t>
+              <a:t>Multi column indexes create a composite key in order</a:t>
             </a:r>
           </a:p>
           <a:p>
@@ -6923,11 +6902,7 @@
             </a:r>
             <a:r>
               <a:rPr lang="en-GB" dirty="0" smtClean="0"/>
-              <a:t> </a:t>
-            </a:r>
-            <a:r>
-              <a:rPr lang="en-GB" dirty="0" smtClean="0"/>
-              <a:t>Queries</a:t>
+              <a:t> Queries</a:t>
             </a:r>
             <a:endParaRPr lang="en-GB" dirty="0"/>
           </a:p>
@@ -9396,8 +9371,9 @@
             </a:r>
             <a:r>
               <a:rPr lang="en-GB" dirty="0" smtClean="0"/>
-              <a:t>.westeurope.cloudapp.azure.com</a:t>
-            </a:r>
+              <a:t>.northeurope.cloudapp.azure.com</a:t>
+            </a:r>
+            <a:endParaRPr lang="en-GB" dirty="0" smtClean="0"/>
           </a:p>
           <a:p>
             <a:r>
@@ -12175,15 +12151,7 @@
           <a:p>
             <a:r>
               <a:rPr lang="en-GB" dirty="0" smtClean="0"/>
-              <a:t>Service </a:t>
-            </a:r>
-            <a:r>
-              <a:rPr lang="en-GB" dirty="0" smtClean="0"/>
-              <a:t>Broker to perform parallel </a:t>
-            </a:r>
-            <a:r>
-              <a:rPr lang="en-GB" dirty="0" smtClean="0"/>
-              <a:t>operations</a:t>
+              <a:t>Service Broker to perform parallel operations</a:t>
             </a:r>
           </a:p>
           <a:p>
@@ -12191,7 +12159,6 @@
               <a:rPr lang="en-GB" dirty="0" smtClean="0"/>
               <a:t>Application or SSIS to perform parallel operations</a:t>
             </a:r>
-            <a:endParaRPr lang="en-GB" dirty="0" smtClean="0"/>
           </a:p>
           <a:p>
             <a:endParaRPr lang="en-GB" dirty="0" smtClean="0"/>
@@ -12502,11 +12469,7 @@
           <a:p>
             <a:r>
               <a:rPr lang="en-GB" dirty="0" smtClean="0"/>
-              <a:t>Writing good </a:t>
-            </a:r>
-            <a:r>
-              <a:rPr lang="en-GB" dirty="0" smtClean="0"/>
-              <a:t>T-SQL</a:t>
+              <a:t>Writing good T-SQL</a:t>
             </a:r>
           </a:p>
           <a:p>
@@ -16989,11 +16952,7 @@
           <a:p>
             <a:r>
               <a:rPr lang="en-GB" dirty="0" smtClean="0"/>
-              <a:t>B </a:t>
-            </a:r>
-            <a:r>
-              <a:rPr lang="en-GB" dirty="0" smtClean="0"/>
-              <a:t>Trees (NC) – Single Column</a:t>
+              <a:t>B Trees (NC) – Single Column</a:t>
             </a:r>
             <a:endParaRPr lang="en-GB" dirty="0"/>
           </a:p>
@@ -18639,11 +18598,7 @@
           <a:p>
             <a:r>
               <a:rPr lang="en-GB" dirty="0" smtClean="0"/>
-              <a:t>B </a:t>
-            </a:r>
-            <a:r>
-              <a:rPr lang="en-GB" dirty="0" smtClean="0"/>
-              <a:t>Trees (NC) – Multi Column</a:t>
+              <a:t>B Trees (NC) – Multi Column</a:t>
             </a:r>
             <a:endParaRPr lang="en-GB" dirty="0"/>
           </a:p>
